--- a/Selenium多媒体数据操作.pptx
+++ b/Selenium多媒体数据操作.pptx
@@ -6,10 +6,9 @@
   </p:sldMasterIdLst>
   <p:sldIdLst>
     <p:sldId id="256" r:id="rId2"/>
-    <p:sldId id="257" r:id="rId3"/>
-    <p:sldId id="258" r:id="rId4"/>
-    <p:sldId id="259" r:id="rId5"/>
-    <p:sldId id="260" r:id="rId6"/>
+    <p:sldId id="261" r:id="rId3"/>
+    <p:sldId id="257" r:id="rId4"/>
+    <p:sldId id="260" r:id="rId5"/>
   </p:sldIdLst>
   <p:sldSz cx="12192000" cy="6858000"/>
   <p:notesSz cx="6858000" cy="9144000"/>
@@ -108,6 +107,11 @@
       </a:defRPr>
     </a:lvl9pPr>
   </p:defaultTextStyle>
+  <p:extLst>
+    <p:ext uri="{EFAFB233-063F-42B5-8137-9DF3F51BA10A}">
+      <p15:sldGuideLst xmlns:p15="http://schemas.microsoft.com/office/powerpoint/2012/main"/>
+    </p:ext>
+  </p:extLst>
 </p:presentation>
 </file>
 
@@ -242,7 +246,7 @@
           <a:p>
             <a:fld id="{86F13858-6A4B-4328-B4C0-5F26AB5587D0}" type="datetimeFigureOut">
               <a:rPr lang="zh-CN" altLang="en-US" smtClean="0"/>
-              <a:t>2015/12/26</a:t>
+              <a:t>2015/12/29</a:t>
             </a:fld>
             <a:endParaRPr lang="zh-CN" altLang="en-US"/>
           </a:p>
@@ -412,7 +416,7 @@
           <a:p>
             <a:fld id="{86F13858-6A4B-4328-B4C0-5F26AB5587D0}" type="datetimeFigureOut">
               <a:rPr lang="zh-CN" altLang="en-US" smtClean="0"/>
-              <a:t>2015/12/26</a:t>
+              <a:t>2015/12/29</a:t>
             </a:fld>
             <a:endParaRPr lang="zh-CN" altLang="en-US"/>
           </a:p>
@@ -592,7 +596,7 @@
           <a:p>
             <a:fld id="{86F13858-6A4B-4328-B4C0-5F26AB5587D0}" type="datetimeFigureOut">
               <a:rPr lang="zh-CN" altLang="en-US" smtClean="0"/>
-              <a:t>2015/12/26</a:t>
+              <a:t>2015/12/29</a:t>
             </a:fld>
             <a:endParaRPr lang="zh-CN" altLang="en-US"/>
           </a:p>
@@ -762,7 +766,7 @@
           <a:p>
             <a:fld id="{86F13858-6A4B-4328-B4C0-5F26AB5587D0}" type="datetimeFigureOut">
               <a:rPr lang="zh-CN" altLang="en-US" smtClean="0"/>
-              <a:t>2015/12/26</a:t>
+              <a:t>2015/12/29</a:t>
             </a:fld>
             <a:endParaRPr lang="zh-CN" altLang="en-US"/>
           </a:p>
@@ -1008,7 +1012,7 @@
           <a:p>
             <a:fld id="{86F13858-6A4B-4328-B4C0-5F26AB5587D0}" type="datetimeFigureOut">
               <a:rPr lang="zh-CN" altLang="en-US" smtClean="0"/>
-              <a:t>2015/12/26</a:t>
+              <a:t>2015/12/29</a:t>
             </a:fld>
             <a:endParaRPr lang="zh-CN" altLang="en-US"/>
           </a:p>
@@ -1240,7 +1244,7 @@
           <a:p>
             <a:fld id="{86F13858-6A4B-4328-B4C0-5F26AB5587D0}" type="datetimeFigureOut">
               <a:rPr lang="zh-CN" altLang="en-US" smtClean="0"/>
-              <a:t>2015/12/26</a:t>
+              <a:t>2015/12/29</a:t>
             </a:fld>
             <a:endParaRPr lang="zh-CN" altLang="en-US"/>
           </a:p>
@@ -1607,7 +1611,7 @@
           <a:p>
             <a:fld id="{86F13858-6A4B-4328-B4C0-5F26AB5587D0}" type="datetimeFigureOut">
               <a:rPr lang="zh-CN" altLang="en-US" smtClean="0"/>
-              <a:t>2015/12/26</a:t>
+              <a:t>2015/12/29</a:t>
             </a:fld>
             <a:endParaRPr lang="zh-CN" altLang="en-US"/>
           </a:p>
@@ -1725,7 +1729,7 @@
           <a:p>
             <a:fld id="{86F13858-6A4B-4328-B4C0-5F26AB5587D0}" type="datetimeFigureOut">
               <a:rPr lang="zh-CN" altLang="en-US" smtClean="0"/>
-              <a:t>2015/12/26</a:t>
+              <a:t>2015/12/29</a:t>
             </a:fld>
             <a:endParaRPr lang="zh-CN" altLang="en-US"/>
           </a:p>
@@ -1820,7 +1824,7 @@
           <a:p>
             <a:fld id="{86F13858-6A4B-4328-B4C0-5F26AB5587D0}" type="datetimeFigureOut">
               <a:rPr lang="zh-CN" altLang="en-US" smtClean="0"/>
-              <a:t>2015/12/26</a:t>
+              <a:t>2015/12/29</a:t>
             </a:fld>
             <a:endParaRPr lang="zh-CN" altLang="en-US"/>
           </a:p>
@@ -2097,7 +2101,7 @@
           <a:p>
             <a:fld id="{86F13858-6A4B-4328-B4C0-5F26AB5587D0}" type="datetimeFigureOut">
               <a:rPr lang="zh-CN" altLang="en-US" smtClean="0"/>
-              <a:t>2015/12/26</a:t>
+              <a:t>2015/12/29</a:t>
             </a:fld>
             <a:endParaRPr lang="zh-CN" altLang="en-US"/>
           </a:p>
@@ -2350,7 +2354,7 @@
           <a:p>
             <a:fld id="{86F13858-6A4B-4328-B4C0-5F26AB5587D0}" type="datetimeFigureOut">
               <a:rPr lang="zh-CN" altLang="en-US" smtClean="0"/>
-              <a:t>2015/12/26</a:t>
+              <a:t>2015/12/29</a:t>
             </a:fld>
             <a:endParaRPr lang="zh-CN" altLang="en-US"/>
           </a:p>
@@ -2563,7 +2567,7 @@
           <a:p>
             <a:fld id="{86F13858-6A4B-4328-B4C0-5F26AB5587D0}" type="datetimeFigureOut">
               <a:rPr lang="zh-CN" altLang="en-US" smtClean="0"/>
-              <a:t>2015/12/26</a:t>
+              <a:t>2015/12/29</a:t>
             </a:fld>
             <a:endParaRPr lang="zh-CN" altLang="en-US"/>
           </a:p>
@@ -3016,7 +3020,7 @@
             </a:r>
             <a:r>
               <a:rPr lang="en-US" altLang="zh-CN" dirty="0" smtClean="0"/>
-              <a:t>zb.benzhang@gmail.com</a:t>
+              <a:t>zhangben@smail.nju.edu.cn</a:t>
             </a:r>
             <a:endParaRPr lang="zh-CN" altLang="en-US" dirty="0"/>
           </a:p>
@@ -3075,122 +3079,81 @@
           <a:lstStyle/>
           <a:p>
             <a:r>
+              <a:rPr lang="zh-CN" altLang="en-US" smtClean="0"/>
+              <a:t>模块</a:t>
+            </a:r>
+            <a:endParaRPr lang="zh-CN" altLang="en-US" dirty="0"/>
+          </a:p>
+        </p:txBody>
+      </p:sp>
+      <p:sp>
+        <p:nvSpPr>
+          <p:cNvPr id="3" name="内容占位符 2"/>
+          <p:cNvSpPr>
+            <a:spLocks noGrp="1"/>
+          </p:cNvSpPr>
+          <p:nvPr>
+            <p:ph idx="1"/>
+          </p:nvPr>
+        </p:nvSpPr>
+        <p:spPr/>
+        <p:txBody>
+          <a:bodyPr/>
+          <a:lstStyle/>
+          <a:p>
+            <a:r>
               <a:rPr lang="zh-CN" altLang="en-US" dirty="0" smtClean="0"/>
-              <a:t>网页图像获取系统</a:t>
-            </a:r>
-            <a:endParaRPr lang="zh-CN" altLang="en-US" dirty="0"/>
-          </a:p>
-        </p:txBody>
-      </p:sp>
-      <p:sp>
-        <p:nvSpPr>
-          <p:cNvPr id="3" name="内容占位符 2"/>
-          <p:cNvSpPr>
-            <a:spLocks noGrp="1"/>
-          </p:cNvSpPr>
-          <p:nvPr>
-            <p:ph idx="1"/>
-          </p:nvPr>
-        </p:nvSpPr>
-        <p:spPr/>
-        <p:txBody>
-          <a:bodyPr/>
-          <a:lstStyle/>
-          <a:p>
-            <a:endParaRPr lang="zh-CN" altLang="en-US"/>
-          </a:p>
-        </p:txBody>
-      </p:sp>
-      <p:sp>
-        <p:nvSpPr>
-          <p:cNvPr id="4" name="矩形 3"/>
-          <p:cNvSpPr/>
-          <p:nvPr/>
-        </p:nvSpPr>
-        <p:spPr>
-          <a:xfrm>
-            <a:off x="1606378" y="2356022"/>
-            <a:ext cx="3220995" cy="1112108"/>
-          </a:xfrm>
-          <a:prstGeom prst="rect">
-            <a:avLst/>
-          </a:prstGeom>
-        </p:spPr>
-        <p:style>
-          <a:lnRef idx="2">
-            <a:schemeClr val="accent1">
-              <a:shade val="50000"/>
-            </a:schemeClr>
-          </a:lnRef>
-          <a:fillRef idx="1">
-            <a:schemeClr val="accent1"/>
-          </a:fillRef>
-          <a:effectRef idx="0">
-            <a:schemeClr val="accent1"/>
-          </a:effectRef>
-          <a:fontRef idx="minor">
-            <a:schemeClr val="lt1"/>
-          </a:fontRef>
-        </p:style>
-        <p:txBody>
-          <a:bodyPr rtlCol="0" anchor="ctr"/>
-          <a:lstStyle/>
-          <a:p>
-            <a:pPr algn="ctr"/>
-            <a:endParaRPr lang="zh-CN" altLang="en-US"/>
-          </a:p>
-        </p:txBody>
-      </p:sp>
-      <p:sp>
-        <p:nvSpPr>
-          <p:cNvPr id="5" name="矩形 4"/>
-          <p:cNvSpPr/>
-          <p:nvPr/>
-        </p:nvSpPr>
-        <p:spPr>
-          <a:xfrm>
-            <a:off x="1606378" y="4057135"/>
-            <a:ext cx="3220995" cy="1112108"/>
-          </a:xfrm>
-          <a:prstGeom prst="rect">
-            <a:avLst/>
-          </a:prstGeom>
-        </p:spPr>
-        <p:style>
-          <a:lnRef idx="2">
-            <a:schemeClr val="accent1">
-              <a:shade val="50000"/>
-            </a:schemeClr>
-          </a:lnRef>
-          <a:fillRef idx="1">
-            <a:schemeClr val="accent1"/>
-          </a:fillRef>
-          <a:effectRef idx="0">
-            <a:schemeClr val="accent1"/>
-          </a:effectRef>
-          <a:fontRef idx="minor">
-            <a:schemeClr val="lt1"/>
-          </a:fontRef>
-        </p:style>
-        <p:txBody>
-          <a:bodyPr rtlCol="0" anchor="ctr"/>
-          <a:lstStyle/>
-          <a:p>
-            <a:pPr algn="ctr"/>
-            <a:endParaRPr lang="zh-CN" altLang="en-US"/>
+              <a:t>网页文本</a:t>
+            </a:r>
+            <a:endParaRPr lang="en-US" altLang="zh-CN" dirty="0" smtClean="0"/>
+          </a:p>
+          <a:p>
+            <a:r>
+              <a:rPr lang="zh-CN" altLang="en-US" dirty="0" smtClean="0"/>
+              <a:t>网页图像</a:t>
+            </a:r>
+            <a:endParaRPr lang="en-US" altLang="zh-CN" dirty="0" smtClean="0"/>
+          </a:p>
+          <a:p>
+            <a:r>
+              <a:rPr lang="zh-CN" altLang="en-US" dirty="0"/>
+              <a:t>网页截图</a:t>
+            </a:r>
+          </a:p>
+          <a:p>
+            <a:r>
+              <a:rPr lang="zh-CN" altLang="en-US" dirty="0" smtClean="0"/>
+              <a:t>网页视频</a:t>
+            </a:r>
+            <a:r>
+              <a:rPr lang="zh-CN" altLang="en-US" dirty="0"/>
+              <a:t>流</a:t>
+            </a:r>
+            <a:r>
+              <a:rPr lang="zh-CN" altLang="en-US" dirty="0" smtClean="0"/>
+              <a:t>数据</a:t>
+            </a:r>
+            <a:endParaRPr lang="en-US" altLang="zh-CN" dirty="0" smtClean="0"/>
           </a:p>
         </p:txBody>
       </p:sp>
     </p:spTree>
     <p:extLst>
       <p:ext uri="{BB962C8B-B14F-4D97-AF65-F5344CB8AC3E}">
-        <p14:creationId xmlns:p14="http://schemas.microsoft.com/office/powerpoint/2010/main" val="1410459666"/>
+        <p14:creationId xmlns:p14="http://schemas.microsoft.com/office/powerpoint/2010/main" val="1042184627"/>
       </p:ext>
     </p:extLst>
   </p:cSld>
   <p:clrMapOvr>
     <a:masterClrMapping/>
   </p:clrMapOvr>
+  <p:timing>
+    <p:tnLst>
+      <p:par>
+        <p:cTn id="1" dur="indefinite" restart="never" nodeType="tmRoot"/>
+      </p:par>
+    </p:tnLst>
+  </p:timing>
 </p:sld>
 </file>
 
@@ -3227,8 +3190,12 @@
           <a:lstStyle/>
           <a:p>
             <a:r>
+              <a:rPr lang="zh-CN" altLang="en-US" dirty="0"/>
+              <a:t>设计</a:t>
+            </a:r>
+            <a:r>
               <a:rPr lang="zh-CN" altLang="en-US" dirty="0" smtClean="0"/>
-              <a:t>视频流数据获取系统</a:t>
+              <a:t>流程</a:t>
             </a:r>
             <a:endParaRPr lang="zh-CN" altLang="en-US" dirty="0"/>
           </a:p>
@@ -3249,7 +3216,7 @@
           <a:bodyPr/>
           <a:lstStyle/>
           <a:p>
-            <a:endParaRPr lang="zh-CN" altLang="en-US"/>
+            <a:endParaRPr lang="zh-CN" altLang="en-US" dirty="0"/>
           </a:p>
         </p:txBody>
       </p:sp>
@@ -3261,12 +3228,18 @@
         </p:nvSpPr>
         <p:spPr>
           <a:xfrm>
-            <a:off x="1705232" y="2669060"/>
-            <a:ext cx="3220995" cy="1112108"/>
+            <a:off x="1596078" y="1833862"/>
+            <a:ext cx="3406347" cy="1407254"/>
           </a:xfrm>
           <a:prstGeom prst="rect">
             <a:avLst/>
           </a:prstGeom>
+          <a:solidFill>
+            <a:schemeClr val="accent1">
+              <a:lumMod val="40000"/>
+              <a:lumOff val="60000"/>
+            </a:schemeClr>
+          </a:solidFill>
         </p:spPr>
         <p:style>
           <a:lnRef idx="2">
@@ -3301,12 +3274,21 @@
         </p:nvSpPr>
         <p:spPr>
           <a:xfrm>
-            <a:off x="1705231" y="4349578"/>
-            <a:ext cx="3220995" cy="1112108"/>
+            <a:off x="7182879" y="1848967"/>
+            <a:ext cx="3406347" cy="1407254"/>
           </a:xfrm>
           <a:prstGeom prst="rect">
             <a:avLst/>
           </a:prstGeom>
+          <a:solidFill>
+            <a:schemeClr val="accent1">
+              <a:lumMod val="40000"/>
+              <a:lumOff val="60000"/>
+            </a:schemeClr>
+          </a:solidFill>
+          <a:ln>
+            <a:prstDash val="dash"/>
+          </a:ln>
         </p:spPr>
         <p:style>
           <a:lnRef idx="2">
@@ -3333,16 +3315,426 @@
           </a:p>
         </p:txBody>
       </p:sp>
+      <p:sp>
+        <p:nvSpPr>
+          <p:cNvPr id="6" name="文本框 5"/>
+          <p:cNvSpPr txBox="1"/>
+          <p:nvPr/>
+        </p:nvSpPr>
+        <p:spPr>
+          <a:xfrm>
+            <a:off x="2552182" y="2357200"/>
+            <a:ext cx="3377513" cy="369332"/>
+          </a:xfrm>
+          <a:prstGeom prst="rect">
+            <a:avLst/>
+          </a:prstGeom>
+          <a:noFill/>
+        </p:spPr>
+        <p:txBody>
+          <a:bodyPr wrap="square" rtlCol="0">
+            <a:spAutoFit/>
+          </a:bodyPr>
+          <a:lstStyle/>
+          <a:p>
+            <a:r>
+              <a:rPr lang="zh-CN" altLang="en-US" dirty="0" smtClean="0"/>
+              <a:t>获取网页</a:t>
+            </a:r>
+            <a:r>
+              <a:rPr lang="en-US" altLang="zh-CN" dirty="0" smtClean="0"/>
+              <a:t>URL</a:t>
+            </a:r>
+            <a:endParaRPr lang="zh-CN" altLang="en-US" dirty="0"/>
+          </a:p>
+        </p:txBody>
+      </p:sp>
+      <p:sp>
+        <p:nvSpPr>
+          <p:cNvPr id="7" name="右箭头 6"/>
+          <p:cNvSpPr/>
+          <p:nvPr/>
+        </p:nvSpPr>
+        <p:spPr>
+          <a:xfrm>
+            <a:off x="5753611" y="2339781"/>
+            <a:ext cx="617838" cy="395416"/>
+          </a:xfrm>
+          <a:prstGeom prst="rightArrow">
+            <a:avLst/>
+          </a:prstGeom>
+          <a:solidFill>
+            <a:schemeClr val="accent1">
+              <a:lumMod val="20000"/>
+              <a:lumOff val="80000"/>
+            </a:schemeClr>
+          </a:solidFill>
+        </p:spPr>
+        <p:style>
+          <a:lnRef idx="2">
+            <a:schemeClr val="accent1">
+              <a:shade val="50000"/>
+            </a:schemeClr>
+          </a:lnRef>
+          <a:fillRef idx="1">
+            <a:schemeClr val="accent1"/>
+          </a:fillRef>
+          <a:effectRef idx="0">
+            <a:schemeClr val="accent1"/>
+          </a:effectRef>
+          <a:fontRef idx="minor">
+            <a:schemeClr val="lt1"/>
+          </a:fontRef>
+        </p:style>
+        <p:txBody>
+          <a:bodyPr rtlCol="0" anchor="ctr"/>
+          <a:lstStyle/>
+          <a:p>
+            <a:pPr algn="ctr"/>
+            <a:endParaRPr lang="zh-CN" altLang="en-US"/>
+          </a:p>
+        </p:txBody>
+      </p:sp>
+      <p:sp>
+        <p:nvSpPr>
+          <p:cNvPr id="8" name="文本框 7"/>
+          <p:cNvSpPr txBox="1"/>
+          <p:nvPr/>
+        </p:nvSpPr>
+        <p:spPr>
+          <a:xfrm>
+            <a:off x="7760044" y="2365865"/>
+            <a:ext cx="2346754" cy="369332"/>
+          </a:xfrm>
+          <a:prstGeom prst="rect">
+            <a:avLst/>
+          </a:prstGeom>
+          <a:noFill/>
+        </p:spPr>
+        <p:txBody>
+          <a:bodyPr wrap="square" rtlCol="0">
+            <a:spAutoFit/>
+          </a:bodyPr>
+          <a:lstStyle/>
+          <a:p>
+            <a:r>
+              <a:rPr lang="zh-CN" altLang="en-US" dirty="0" smtClean="0"/>
+              <a:t>网页布局调整（可选）</a:t>
+            </a:r>
+            <a:endParaRPr lang="zh-CN" altLang="en-US" dirty="0"/>
+          </a:p>
+        </p:txBody>
+      </p:sp>
+      <p:sp>
+        <p:nvSpPr>
+          <p:cNvPr id="10" name="矩形 9"/>
+          <p:cNvSpPr/>
+          <p:nvPr/>
+        </p:nvSpPr>
+        <p:spPr>
+          <a:xfrm>
+            <a:off x="7175158" y="4743389"/>
+            <a:ext cx="3414068" cy="1407254"/>
+          </a:xfrm>
+          <a:prstGeom prst="rect">
+            <a:avLst/>
+          </a:prstGeom>
+          <a:solidFill>
+            <a:schemeClr val="accent1">
+              <a:lumMod val="40000"/>
+              <a:lumOff val="60000"/>
+            </a:schemeClr>
+          </a:solidFill>
+        </p:spPr>
+        <p:style>
+          <a:lnRef idx="2">
+            <a:schemeClr val="accent1">
+              <a:shade val="50000"/>
+            </a:schemeClr>
+          </a:lnRef>
+          <a:fillRef idx="1">
+            <a:schemeClr val="accent1"/>
+          </a:fillRef>
+          <a:effectRef idx="0">
+            <a:schemeClr val="accent1"/>
+          </a:effectRef>
+          <a:fontRef idx="minor">
+            <a:schemeClr val="lt1"/>
+          </a:fontRef>
+        </p:style>
+        <p:txBody>
+          <a:bodyPr rtlCol="0" anchor="ctr"/>
+          <a:lstStyle/>
+          <a:p>
+            <a:pPr algn="ctr"/>
+            <a:endParaRPr lang="zh-CN" altLang="en-US"/>
+          </a:p>
+        </p:txBody>
+      </p:sp>
+      <p:sp>
+        <p:nvSpPr>
+          <p:cNvPr id="11" name="文本框 10"/>
+          <p:cNvSpPr txBox="1"/>
+          <p:nvPr/>
+        </p:nvSpPr>
+        <p:spPr>
+          <a:xfrm>
+            <a:off x="7831868" y="5284479"/>
+            <a:ext cx="2496064" cy="369332"/>
+          </a:xfrm>
+          <a:prstGeom prst="rect">
+            <a:avLst/>
+          </a:prstGeom>
+          <a:noFill/>
+        </p:spPr>
+        <p:txBody>
+          <a:bodyPr wrap="square" rtlCol="0">
+            <a:spAutoFit/>
+          </a:bodyPr>
+          <a:lstStyle/>
+          <a:p>
+            <a:r>
+              <a:rPr lang="zh-CN" altLang="en-US" dirty="0" smtClean="0"/>
+              <a:t>获取对应网页元素</a:t>
+            </a:r>
+            <a:endParaRPr lang="zh-CN" altLang="en-US" dirty="0"/>
+          </a:p>
+        </p:txBody>
+      </p:sp>
+      <p:sp>
+        <p:nvSpPr>
+          <p:cNvPr id="13" name="矩形 12"/>
+          <p:cNvSpPr/>
+          <p:nvPr/>
+        </p:nvSpPr>
+        <p:spPr>
+          <a:xfrm>
+            <a:off x="1596078" y="4742554"/>
+            <a:ext cx="3406347" cy="1408089"/>
+          </a:xfrm>
+          <a:prstGeom prst="rect">
+            <a:avLst/>
+          </a:prstGeom>
+          <a:solidFill>
+            <a:schemeClr val="accent1">
+              <a:lumMod val="40000"/>
+              <a:lumOff val="60000"/>
+            </a:schemeClr>
+          </a:solidFill>
+        </p:spPr>
+        <p:style>
+          <a:lnRef idx="2">
+            <a:schemeClr val="accent1">
+              <a:shade val="50000"/>
+            </a:schemeClr>
+          </a:lnRef>
+          <a:fillRef idx="1">
+            <a:schemeClr val="accent1"/>
+          </a:fillRef>
+          <a:effectRef idx="0">
+            <a:schemeClr val="accent1"/>
+          </a:effectRef>
+          <a:fontRef idx="minor">
+            <a:schemeClr val="lt1"/>
+          </a:fontRef>
+        </p:style>
+        <p:txBody>
+          <a:bodyPr rtlCol="0" anchor="ctr"/>
+          <a:lstStyle/>
+          <a:p>
+            <a:pPr algn="ctr"/>
+            <a:endParaRPr lang="zh-CN" altLang="en-US"/>
+          </a:p>
+        </p:txBody>
+      </p:sp>
+      <p:sp>
+        <p:nvSpPr>
+          <p:cNvPr id="14" name="文本框 13"/>
+          <p:cNvSpPr txBox="1"/>
+          <p:nvPr/>
+        </p:nvSpPr>
+        <p:spPr>
+          <a:xfrm>
+            <a:off x="2161399" y="5250602"/>
+            <a:ext cx="2504302" cy="400110"/>
+          </a:xfrm>
+          <a:prstGeom prst="rect">
+            <a:avLst/>
+          </a:prstGeom>
+          <a:noFill/>
+        </p:spPr>
+        <p:txBody>
+          <a:bodyPr wrap="square" rtlCol="0">
+            <a:spAutoFit/>
+          </a:bodyPr>
+          <a:lstStyle/>
+          <a:p>
+            <a:r>
+              <a:rPr lang="zh-CN" altLang="en-US" sz="2000" dirty="0" smtClean="0"/>
+              <a:t>数据格式对应接口</a:t>
+            </a:r>
+            <a:endParaRPr lang="zh-CN" altLang="en-US" sz="2000" dirty="0"/>
+          </a:p>
+        </p:txBody>
+      </p:sp>
+      <p:sp>
+        <p:nvSpPr>
+          <p:cNvPr id="15" name="右箭头 14"/>
+          <p:cNvSpPr/>
+          <p:nvPr/>
+        </p:nvSpPr>
+        <p:spPr>
+          <a:xfrm rot="10800000">
+            <a:off x="5752068" y="5237560"/>
+            <a:ext cx="617838" cy="395416"/>
+          </a:xfrm>
+          <a:prstGeom prst="rightArrow">
+            <a:avLst/>
+          </a:prstGeom>
+          <a:solidFill>
+            <a:schemeClr val="accent1">
+              <a:lumMod val="20000"/>
+              <a:lumOff val="80000"/>
+            </a:schemeClr>
+          </a:solidFill>
+        </p:spPr>
+        <p:style>
+          <a:lnRef idx="2">
+            <a:schemeClr val="accent1">
+              <a:shade val="50000"/>
+            </a:schemeClr>
+          </a:lnRef>
+          <a:fillRef idx="1">
+            <a:schemeClr val="accent1"/>
+          </a:fillRef>
+          <a:effectRef idx="0">
+            <a:schemeClr val="accent1"/>
+          </a:effectRef>
+          <a:fontRef idx="minor">
+            <a:schemeClr val="lt1"/>
+          </a:fontRef>
+        </p:style>
+        <p:txBody>
+          <a:bodyPr rtlCol="0" anchor="ctr"/>
+          <a:lstStyle/>
+          <a:p>
+            <a:pPr algn="ctr"/>
+            <a:endParaRPr lang="zh-CN" altLang="en-US"/>
+          </a:p>
+        </p:txBody>
+      </p:sp>
+      <p:sp>
+        <p:nvSpPr>
+          <p:cNvPr id="16" name="右箭头 15"/>
+          <p:cNvSpPr/>
+          <p:nvPr/>
+        </p:nvSpPr>
+        <p:spPr>
+          <a:xfrm rot="5400000">
+            <a:off x="8573273" y="3802097"/>
+            <a:ext cx="617838" cy="395416"/>
+          </a:xfrm>
+          <a:prstGeom prst="rightArrow">
+            <a:avLst/>
+          </a:prstGeom>
+          <a:solidFill>
+            <a:schemeClr val="accent1">
+              <a:lumMod val="20000"/>
+              <a:lumOff val="80000"/>
+            </a:schemeClr>
+          </a:solidFill>
+        </p:spPr>
+        <p:style>
+          <a:lnRef idx="2">
+            <a:schemeClr val="accent1">
+              <a:shade val="50000"/>
+            </a:schemeClr>
+          </a:lnRef>
+          <a:fillRef idx="1">
+            <a:schemeClr val="accent1"/>
+          </a:fillRef>
+          <a:effectRef idx="0">
+            <a:schemeClr val="accent1"/>
+          </a:effectRef>
+          <a:fontRef idx="minor">
+            <a:schemeClr val="lt1"/>
+          </a:fontRef>
+        </p:style>
+        <p:txBody>
+          <a:bodyPr rtlCol="0" anchor="ctr"/>
+          <a:lstStyle/>
+          <a:p>
+            <a:pPr algn="ctr"/>
+            <a:endParaRPr lang="zh-CN" altLang="en-US"/>
+          </a:p>
+        </p:txBody>
+      </p:sp>
+      <p:sp>
+        <p:nvSpPr>
+          <p:cNvPr id="17" name="右箭头 16"/>
+          <p:cNvSpPr/>
+          <p:nvPr/>
+        </p:nvSpPr>
+        <p:spPr>
+          <a:xfrm rot="16200000">
+            <a:off x="2990332" y="3802097"/>
+            <a:ext cx="617838" cy="395416"/>
+          </a:xfrm>
+          <a:prstGeom prst="rightArrow">
+            <a:avLst/>
+          </a:prstGeom>
+          <a:solidFill>
+            <a:schemeClr val="accent1">
+              <a:lumMod val="20000"/>
+              <a:lumOff val="80000"/>
+            </a:schemeClr>
+          </a:solidFill>
+          <a:ln>
+            <a:prstDash val="dash"/>
+          </a:ln>
+        </p:spPr>
+        <p:style>
+          <a:lnRef idx="2">
+            <a:schemeClr val="accent1">
+              <a:shade val="50000"/>
+            </a:schemeClr>
+          </a:lnRef>
+          <a:fillRef idx="1">
+            <a:schemeClr val="accent1"/>
+          </a:fillRef>
+          <a:effectRef idx="0">
+            <a:schemeClr val="accent1"/>
+          </a:effectRef>
+          <a:fontRef idx="minor">
+            <a:schemeClr val="lt1"/>
+          </a:fontRef>
+        </p:style>
+        <p:txBody>
+          <a:bodyPr rtlCol="0" anchor="ctr"/>
+          <a:lstStyle/>
+          <a:p>
+            <a:pPr algn="ctr"/>
+            <a:endParaRPr lang="zh-CN" altLang="en-US"/>
+          </a:p>
+        </p:txBody>
+      </p:sp>
     </p:spTree>
     <p:extLst>
       <p:ext uri="{BB962C8B-B14F-4D97-AF65-F5344CB8AC3E}">
-        <p14:creationId xmlns:p14="http://schemas.microsoft.com/office/powerpoint/2010/main" val="3335478793"/>
+        <p14:creationId xmlns:p14="http://schemas.microsoft.com/office/powerpoint/2010/main" val="1410459666"/>
       </p:ext>
     </p:extLst>
   </p:cSld>
   <p:clrMapOvr>
     <a:masterClrMapping/>
   </p:clrMapOvr>
+  <p:timing>
+    <p:tnLst>
+      <p:par>
+        <p:cTn id="1" dur="indefinite" restart="never" nodeType="tmRoot"/>
+      </p:par>
+    </p:tnLst>
+  </p:timing>
 </p:sld>
 </file>
 
@@ -3379,158 +3771,6 @@
           <a:lstStyle/>
           <a:p>
             <a:r>
-              <a:rPr lang="zh-CN" altLang="en-US" dirty="0" smtClean="0"/>
-              <a:t>网页截图获取系统</a:t>
-            </a:r>
-            <a:endParaRPr lang="zh-CN" altLang="en-US" dirty="0"/>
-          </a:p>
-        </p:txBody>
-      </p:sp>
-      <p:sp>
-        <p:nvSpPr>
-          <p:cNvPr id="3" name="内容占位符 2"/>
-          <p:cNvSpPr>
-            <a:spLocks noGrp="1"/>
-          </p:cNvSpPr>
-          <p:nvPr>
-            <p:ph idx="1"/>
-          </p:nvPr>
-        </p:nvSpPr>
-        <p:spPr/>
-        <p:txBody>
-          <a:bodyPr/>
-          <a:lstStyle/>
-          <a:p>
-            <a:endParaRPr lang="zh-CN" altLang="en-US"/>
-          </a:p>
-        </p:txBody>
-      </p:sp>
-      <p:sp>
-        <p:nvSpPr>
-          <p:cNvPr id="4" name="矩形 3"/>
-          <p:cNvSpPr/>
-          <p:nvPr/>
-        </p:nvSpPr>
-        <p:spPr>
-          <a:xfrm>
-            <a:off x="1606378" y="2356022"/>
-            <a:ext cx="3220995" cy="1112108"/>
-          </a:xfrm>
-          <a:prstGeom prst="rect">
-            <a:avLst/>
-          </a:prstGeom>
-        </p:spPr>
-        <p:style>
-          <a:lnRef idx="2">
-            <a:schemeClr val="accent1">
-              <a:shade val="50000"/>
-            </a:schemeClr>
-          </a:lnRef>
-          <a:fillRef idx="1">
-            <a:schemeClr val="accent1"/>
-          </a:fillRef>
-          <a:effectRef idx="0">
-            <a:schemeClr val="accent1"/>
-          </a:effectRef>
-          <a:fontRef idx="minor">
-            <a:schemeClr val="lt1"/>
-          </a:fontRef>
-        </p:style>
-        <p:txBody>
-          <a:bodyPr rtlCol="0" anchor="ctr"/>
-          <a:lstStyle/>
-          <a:p>
-            <a:pPr algn="ctr"/>
-            <a:endParaRPr lang="zh-CN" altLang="en-US"/>
-          </a:p>
-        </p:txBody>
-      </p:sp>
-      <p:sp>
-        <p:nvSpPr>
-          <p:cNvPr id="5" name="矩形 4"/>
-          <p:cNvSpPr/>
-          <p:nvPr/>
-        </p:nvSpPr>
-        <p:spPr>
-          <a:xfrm>
-            <a:off x="1606377" y="3998527"/>
-            <a:ext cx="3220995" cy="1112108"/>
-          </a:xfrm>
-          <a:prstGeom prst="rect">
-            <a:avLst/>
-          </a:prstGeom>
-        </p:spPr>
-        <p:style>
-          <a:lnRef idx="2">
-            <a:schemeClr val="accent1">
-              <a:shade val="50000"/>
-            </a:schemeClr>
-          </a:lnRef>
-          <a:fillRef idx="1">
-            <a:schemeClr val="accent1"/>
-          </a:fillRef>
-          <a:effectRef idx="0">
-            <a:schemeClr val="accent1"/>
-          </a:effectRef>
-          <a:fontRef idx="minor">
-            <a:schemeClr val="lt1"/>
-          </a:fontRef>
-        </p:style>
-        <p:txBody>
-          <a:bodyPr rtlCol="0" anchor="ctr"/>
-          <a:lstStyle/>
-          <a:p>
-            <a:pPr algn="ctr"/>
-            <a:endParaRPr lang="zh-CN" altLang="en-US"/>
-          </a:p>
-        </p:txBody>
-      </p:sp>
-    </p:spTree>
-    <p:extLst>
-      <p:ext uri="{BB962C8B-B14F-4D97-AF65-F5344CB8AC3E}">
-        <p14:creationId xmlns:p14="http://schemas.microsoft.com/office/powerpoint/2010/main" val="172001054"/>
-      </p:ext>
-    </p:extLst>
-  </p:cSld>
-  <p:clrMapOvr>
-    <a:masterClrMapping/>
-  </p:clrMapOvr>
-</p:sld>
-</file>
-
-<file path=ppt/slides/slide5.xml><?xml version="1.0" encoding="utf-8"?>
-<p:sld xmlns:a="http://schemas.openxmlformats.org/drawingml/2006/main" xmlns:r="http://schemas.openxmlformats.org/officeDocument/2006/relationships" xmlns:p="http://schemas.openxmlformats.org/presentationml/2006/main">
-  <p:cSld>
-    <p:spTree>
-      <p:nvGrpSpPr>
-        <p:cNvPr id="1" name=""/>
-        <p:cNvGrpSpPr/>
-        <p:nvPr/>
-      </p:nvGrpSpPr>
-      <p:grpSpPr>
-        <a:xfrm>
-          <a:off x="0" y="0"/>
-          <a:ext cx="0" cy="0"/>
-          <a:chOff x="0" y="0"/>
-          <a:chExt cx="0" cy="0"/>
-        </a:xfrm>
-      </p:grpSpPr>
-      <p:sp>
-        <p:nvSpPr>
-          <p:cNvPr id="2" name="标题 1"/>
-          <p:cNvSpPr>
-            <a:spLocks noGrp="1"/>
-          </p:cNvSpPr>
-          <p:nvPr>
-            <p:ph type="title"/>
-          </p:nvPr>
-        </p:nvSpPr>
-        <p:spPr/>
-        <p:txBody>
-          <a:bodyPr/>
-          <a:lstStyle/>
-          <a:p>
-            <a:r>
               <a:rPr lang="en-US" altLang="zh-CN" dirty="0" smtClean="0"/>
               <a:t>Q&amp;A</a:t>
             </a:r>
@@ -3564,7 +3804,7 @@
             </a:r>
             <a:r>
               <a:rPr lang="en-US" altLang="zh-CN" dirty="0" smtClean="0"/>
-              <a:t>zb.benzhang@gmail.com</a:t>
+              <a:t>zhangben@smail.nju.edu.cn</a:t>
             </a:r>
           </a:p>
           <a:p>
@@ -3608,12 +3848,8 @@
               <a:buNone/>
             </a:pPr>
             <a:r>
-              <a:rPr lang="en-US" altLang="zh-CN" dirty="0" err="1" smtClean="0"/>
-              <a:t>ThankS</a:t>
-            </a:r>
-            <a:r>
-              <a:rPr lang="zh-CN" altLang="en-US" dirty="0" smtClean="0"/>
-              <a:t>！</a:t>
+              <a:rPr lang="zh-CN" altLang="en-US" smtClean="0"/>
+              <a:t>谢谢！</a:t>
             </a:r>
             <a:endParaRPr lang="zh-CN" altLang="en-US" dirty="0"/>
           </a:p>
@@ -3629,6 +3865,13 @@
   <p:clrMapOvr>
     <a:masterClrMapping/>
   </p:clrMapOvr>
+  <p:timing>
+    <p:tnLst>
+      <p:par>
+        <p:cTn id="1" dur="indefinite" restart="never" nodeType="tmRoot"/>
+      </p:par>
+    </p:tnLst>
+  </p:timing>
 </p:sld>
 </file>
 
